--- a/pdfs/w3/D25_.NET_FetchAPI.pptx
+++ b/pdfs/w3/D25_.NET_FetchAPI.pptx
@@ -218,7 +218,7 @@
           <a:p>
             <a:fld id="{9C12DC7F-1AE1-41BF-AAF5-AD3B2E28C586}" type="datetimeFigureOut">
               <a:rPr lang="en-US" smtClean="0"/>
-              <a:t>12/19/2021</a:t>
+              <a:t>12/22/2021</a:t>
             </a:fld>
             <a:endParaRPr lang="en-US"/>
           </a:p>
@@ -813,7 +813,7 @@
           <a:p>
             <a:fld id="{9184DA70-C731-4C70-880D-CCD4705E623C}" type="datetime1">
               <a:rPr lang="en-US" smtClean="0"/>
-              <a:t>12/19/2021</a:t>
+              <a:t>12/22/2021</a:t>
             </a:fld>
             <a:endParaRPr lang="en-US" dirty="0"/>
           </a:p>
@@ -1001,7 +1001,7 @@
           <a:p>
             <a:fld id="{B612A279-0833-481D-8C56-F67FD0AC6C50}" type="datetime1">
               <a:rPr lang="en-US" smtClean="0"/>
-              <a:t>12/19/2021</a:t>
+              <a:t>12/22/2021</a:t>
             </a:fld>
             <a:endParaRPr lang="en-US" dirty="0"/>
           </a:p>
@@ -1243,7 +1243,7 @@
           <a:p>
             <a:fld id="{6587DA83-5663-4C9C-B9AA-0B40A3DAFF81}" type="datetime1">
               <a:rPr lang="en-US" smtClean="0"/>
-              <a:t>12/19/2021</a:t>
+              <a:t>12/22/2021</a:t>
             </a:fld>
             <a:endParaRPr lang="en-US" dirty="0"/>
           </a:p>
@@ -1431,7 +1431,7 @@
           <a:p>
             <a:fld id="{4BE1D723-8F53-4F53-90B0-1982A396982E}" type="datetime1">
               <a:rPr lang="en-US" smtClean="0"/>
-              <a:t>12/19/2021</a:t>
+              <a:t>12/22/2021</a:t>
             </a:fld>
             <a:endParaRPr lang="en-US" dirty="0"/>
           </a:p>
@@ -1804,7 +1804,7 @@
           <a:p>
             <a:fld id="{97669AF7-7BEB-44E4-9852-375E34362B5B}" type="datetime1">
               <a:rPr lang="en-US" smtClean="0"/>
-              <a:t>12/19/2021</a:t>
+              <a:t>12/22/2021</a:t>
             </a:fld>
             <a:endParaRPr lang="en-US" dirty="0"/>
           </a:p>
@@ -2059,7 +2059,7 @@
           <a:p>
             <a:fld id="{BAAAC38D-0552-4C82-B593-E6124DFADBE2}" type="datetime1">
               <a:rPr lang="en-US" smtClean="0"/>
-              <a:t>12/19/2021</a:t>
+              <a:t>12/22/2021</a:t>
             </a:fld>
             <a:endParaRPr lang="en-US" dirty="0"/>
           </a:p>
@@ -2456,7 +2456,7 @@
           <a:p>
             <a:fld id="{D9DF0F1C-5577-4ACB-BB62-DF8F3C494C7E}" type="datetime1">
               <a:rPr lang="en-US" smtClean="0"/>
-              <a:t>12/19/2021</a:t>
+              <a:t>12/22/2021</a:t>
             </a:fld>
             <a:endParaRPr lang="en-US" dirty="0"/>
           </a:p>
@@ -2592,7 +2592,7 @@
           <a:p>
             <a:fld id="{1775B394-D9F9-4F0C-B15D-605F45CB9E9F}" type="datetime1">
               <a:rPr lang="en-US" smtClean="0"/>
-              <a:t>12/19/2021</a:t>
+              <a:t>12/22/2021</a:t>
             </a:fld>
             <a:endParaRPr lang="en-US" dirty="0"/>
           </a:p>
@@ -2749,7 +2749,7 @@
           <a:p>
             <a:fld id="{39667345-2558-425A-8533-9BFDBCE15005}" type="datetime1">
               <a:rPr lang="en-US" smtClean="0"/>
-              <a:t>12/19/2021</a:t>
+              <a:t>12/22/2021</a:t>
             </a:fld>
             <a:endParaRPr lang="en-US" dirty="0"/>
           </a:p>
@@ -3078,7 +3078,7 @@
           <a:p>
             <a:fld id="{92BEA474-078D-4E9B-9B14-09A87B19DC46}" type="datetime1">
               <a:rPr lang="en-US" smtClean="0"/>
-              <a:t>12/19/2021</a:t>
+              <a:t>12/22/2021</a:t>
             </a:fld>
             <a:endParaRPr lang="en-US" dirty="0"/>
           </a:p>
@@ -3428,7 +3428,7 @@
           <a:p>
             <a:fld id="{4907D986-8816-4272-A432-0437A28A9828}" type="datetime1">
               <a:rPr lang="en-US" smtClean="0"/>
-              <a:t>12/19/2021</a:t>
+              <a:t>12/22/2021</a:t>
             </a:fld>
             <a:endParaRPr lang="en-US" dirty="0"/>
           </a:p>
@@ -3689,7 +3689,7 @@
           <a:p>
             <a:fld id="{62D6E202-B606-4609-B914-27C9371A1F6D}" type="datetime1">
               <a:rPr lang="en-US" smtClean="0"/>
-              <a:t>12/19/2021</a:t>
+              <a:t>12/22/2021</a:t>
             </a:fld>
             <a:endParaRPr lang="en-US" dirty="0"/>
           </a:p>
@@ -4821,7 +4821,7 @@
         </p:blipFill>
         <p:spPr>
           <a:xfrm>
-            <a:off x="4524071" y="2066575"/>
+            <a:off x="4519233" y="2066575"/>
             <a:ext cx="2301765" cy="4612032"/>
           </a:xfrm>
           <a:prstGeom prst="rect">
@@ -8171,7 +8171,23 @@
                   <a:schemeClr val="tx1"/>
                 </a:solidFill>
               </a:rPr>
-              <a:t>content from the response. </a:t>
+              <a:t>content from the </a:t>
+            </a:r>
+            <a:r>
+              <a:rPr lang="en-US" sz="2600" b="1" i="1" dirty="0">
+                <a:solidFill>
+                  <a:schemeClr val="tx1"/>
+                </a:solidFill>
+              </a:rPr>
+              <a:t>response</a:t>
+            </a:r>
+            <a:r>
+              <a:rPr lang="en-US" sz="2600" dirty="0">
+                <a:solidFill>
+                  <a:schemeClr val="tx1"/>
+                </a:solidFill>
+              </a:rPr>
+              <a:t>. </a:t>
             </a:r>
           </a:p>
           <a:p>
@@ -10619,7 +10635,7 @@
           <a:lstStyle/>
           <a:p>
             <a:r>
-              <a:rPr lang="en-US" sz="2000" b="1" i="1" dirty="0">
+              <a:rPr lang="en-US" sz="2400" b="1" i="1" dirty="0">
                 <a:solidFill>
                   <a:srgbClr val="FF0000"/>
                 </a:solidFill>
@@ -10627,20 +10643,29 @@
               <a:t>Fetch()</a:t>
             </a:r>
             <a:r>
-              <a:rPr lang="en-US" sz="2000" b="1" i="1" dirty="0"/>
+              <a:rPr lang="en-US" sz="2400" b="1" i="1" dirty="0"/>
               <a:t> </a:t>
             </a:r>
             <a:r>
+              <a:rPr lang="en-US" sz="2400" dirty="0"/>
+              <a:t>returns a </a:t>
+            </a:r>
+            <a:r>
+              <a:rPr lang="en-US" sz="2400" b="1" i="1" dirty="0"/>
+              <a:t>Promise</a:t>
+            </a:r>
+            <a:r>
+              <a:rPr lang="en-US" sz="2400" dirty="0"/>
+              <a:t>. </a:t>
+            </a:r>
+          </a:p>
+          <a:p>
+            <a:endParaRPr lang="en-US" sz="2000" dirty="0"/>
+          </a:p>
+          <a:p>
+            <a:r>
               <a:rPr lang="en-US" sz="2000" dirty="0"/>
-              <a:t>returns a </a:t>
-            </a:r>
-            <a:r>
-              <a:rPr lang="en-US" sz="2000" b="1" i="1" dirty="0"/>
-              <a:t>Promise</a:t>
-            </a:r>
-            <a:r>
-              <a:rPr lang="en-US" sz="2000" dirty="0"/>
-              <a:t>. A </a:t>
+              <a:t>A </a:t>
             </a:r>
             <a:r>
               <a:rPr lang="en-US" sz="2000" b="1" i="1" dirty="0"/>
@@ -11860,6 +11885,14 @@
 </file>
 
 <file path=customXml/item2.xml><?xml version="1.0" encoding="utf-8"?>
+<p:properties xmlns:p="http://schemas.microsoft.com/office/2006/metadata/properties" xmlns:xsi="http://www.w3.org/2001/XMLSchema-instance" xmlns:pc="http://schemas.microsoft.com/office/infopath/2007/PartnerControls">
+  <documentManagement>
+    <MediaServiceKeyPoints xmlns="66d9aa3d-651e-4839-b59d-0bd8c52fea92" xsi:nil="true"/>
+  </documentManagement>
+</p:properties>
+</file>
+
+<file path=customXml/item3.xml><?xml version="1.0" encoding="utf-8"?>
 <ct:contentTypeSchema xmlns:ct="http://schemas.microsoft.com/office/2006/metadata/contentType" xmlns:ma="http://schemas.microsoft.com/office/2006/metadata/properties/metaAttributes" ct:_="" ma:_="" ma:contentTypeName="Document" ma:contentTypeID="0x010100EA557F529ABFDE4EA1CDC2C60EEB6F4C" ma:contentTypeVersion="12" ma:contentTypeDescription="Create a new document." ma:contentTypeScope="" ma:versionID="2d16a2a9a736901d7b6fedac882e81ab">
   <xsd:schema xmlns:xsd="http://www.w3.org/2001/XMLSchema" xmlns:xs="http://www.w3.org/2001/XMLSchema" xmlns:p="http://schemas.microsoft.com/office/2006/metadata/properties" xmlns:ns3="66d9aa3d-651e-4839-b59d-0bd8c52fea92" xmlns:ns4="16f3e4eb-d7eb-4343-ad26-da3c70bf63cc" targetNamespace="http://schemas.microsoft.com/office/2006/metadata/properties" ma:root="true" ma:fieldsID="913cf7e14f56ce6929243f0ae3b6e1c3" ns3:_="" ns4:_="">
     <xsd:import namespace="66d9aa3d-651e-4839-b59d-0bd8c52fea92"/>
@@ -12076,14 +12109,6 @@
 </ct:contentTypeSchema>
 </file>
 
-<file path=customXml/item3.xml><?xml version="1.0" encoding="utf-8"?>
-<p:properties xmlns:p="http://schemas.microsoft.com/office/2006/metadata/properties" xmlns:xsi="http://www.w3.org/2001/XMLSchema-instance" xmlns:pc="http://schemas.microsoft.com/office/infopath/2007/PartnerControls">
-  <documentManagement>
-    <MediaServiceKeyPoints xmlns="66d9aa3d-651e-4839-b59d-0bd8c52fea92" xsi:nil="true"/>
-  </documentManagement>
-</p:properties>
-</file>
-
 <file path=customXml/itemProps1.xml><?xml version="1.0" encoding="utf-8"?>
 <ds:datastoreItem xmlns:ds="http://schemas.openxmlformats.org/officeDocument/2006/customXml" ds:itemID="{147854D2-C2B1-4273-BEE8-C059778BC500}">
   <ds:schemaRefs>
@@ -12093,6 +12118,23 @@
 </file>
 
 <file path=customXml/itemProps2.xml><?xml version="1.0" encoding="utf-8"?>
+<ds:datastoreItem xmlns:ds="http://schemas.openxmlformats.org/officeDocument/2006/customXml" ds:itemID="{00646C36-D994-4DBD-9A53-9B2DFD8D7208}">
+  <ds:schemaRefs>
+    <ds:schemaRef ds:uri="http://schemas.microsoft.com/office/2006/documentManagement/types"/>
+    <ds:schemaRef ds:uri="http://purl.org/dc/dcmitype/"/>
+    <ds:schemaRef ds:uri="http://www.w3.org/XML/1998/namespace"/>
+    <ds:schemaRef ds:uri="http://schemas.microsoft.com/office/infopath/2007/PartnerControls"/>
+    <ds:schemaRef ds:uri="16f3e4eb-d7eb-4343-ad26-da3c70bf63cc"/>
+    <ds:schemaRef ds:uri="http://schemas.microsoft.com/office/2006/metadata/properties"/>
+    <ds:schemaRef ds:uri="http://purl.org/dc/terms/"/>
+    <ds:schemaRef ds:uri="http://purl.org/dc/elements/1.1/"/>
+    <ds:schemaRef ds:uri="http://schemas.openxmlformats.org/package/2006/metadata/core-properties"/>
+    <ds:schemaRef ds:uri="66d9aa3d-651e-4839-b59d-0bd8c52fea92"/>
+  </ds:schemaRefs>
+</ds:datastoreItem>
+</file>
+
+<file path=customXml/itemProps3.xml><?xml version="1.0" encoding="utf-8"?>
 <ds:datastoreItem xmlns:ds="http://schemas.openxmlformats.org/officeDocument/2006/customXml" ds:itemID="{738D2A45-D57D-4F47-9C70-54855B36AE4B}">
   <ds:schemaRefs>
     <ds:schemaRef ds:uri="http://schemas.microsoft.com/office/2006/metadata/contentType"/>
@@ -12109,21 +12151,4 @@
     <ds:schemaRef ds:uri="http://schemas.microsoft.com/internal/obd"/>
   </ds:schemaRefs>
 </ds:datastoreItem>
-</file>
-
-<file path=customXml/itemProps3.xml><?xml version="1.0" encoding="utf-8"?>
-<ds:datastoreItem xmlns:ds="http://schemas.openxmlformats.org/officeDocument/2006/customXml" ds:itemID="{00646C36-D994-4DBD-9A53-9B2DFD8D7208}">
-  <ds:schemaRefs>
-    <ds:schemaRef ds:uri="http://schemas.microsoft.com/office/2006/documentManagement/types"/>
-    <ds:schemaRef ds:uri="http://purl.org/dc/dcmitype/"/>
-    <ds:schemaRef ds:uri="http://www.w3.org/XML/1998/namespace"/>
-    <ds:schemaRef ds:uri="http://schemas.microsoft.com/office/infopath/2007/PartnerControls"/>
-    <ds:schemaRef ds:uri="16f3e4eb-d7eb-4343-ad26-da3c70bf63cc"/>
-    <ds:schemaRef ds:uri="http://schemas.microsoft.com/office/2006/metadata/properties"/>
-    <ds:schemaRef ds:uri="http://purl.org/dc/terms/"/>
-    <ds:schemaRef ds:uri="http://purl.org/dc/elements/1.1/"/>
-    <ds:schemaRef ds:uri="http://schemas.openxmlformats.org/package/2006/metadata/core-properties"/>
-    <ds:schemaRef ds:uri="66d9aa3d-651e-4839-b59d-0bd8c52fea92"/>
-  </ds:schemaRefs>
-</ds:datastoreItem>
 </file>